--- a/InfoSec/PPTs/L7-CH06-Malicious Software.pptx
+++ b/InfoSec/PPTs/L7-CH06-Malicious Software.pptx
@@ -373,7 +373,7 @@
             <a:fld id="{999DDEF9-8F79-3F4A-8C1A-CB2E900DCD92}" type="datetimeFigureOut">
               <a:rPr lang="en-US" smtClean="0"/>
               <a:pPr/>
-              <a:t>4/19/2020</a:t>
+              <a:t>5/14/2020</a:t>
             </a:fld>
             <a:endParaRPr lang="en-US"/>
           </a:p>
@@ -13988,7 +13988,7 @@
       </p:sp>
       <p:sp>
         <p:nvSpPr>
-          <p:cNvPr id="7" name="Rectangle 6"/>
+          <p:cNvPr id="7" name="Slide Number Placeholder 6"/>
           <p:cNvSpPr>
             <a:spLocks noGrp="1" noChangeArrowheads="1"/>
           </p:cNvSpPr>
@@ -16420,7 +16420,7 @@
           <p:nvPr/>
         </p:nvPicPr>
         <p:blipFill rotWithShape="1">
-          <a:blip r:embed="rId4">
+          <a:blip r:embed="rId3">
             <a:extLst>
               <a:ext uri="{28A0092B-C50C-407E-A947-70E740481C1C}">
                 <a14:useLocalDpi xmlns:a14="http://schemas.microsoft.com/office/drawing/2010/main" val="0"/>
@@ -17071,17 +17071,12 @@
           <a:p>
             <a:r>
               <a:rPr lang="en-US" altLang="zh-CN" dirty="0">
-                <a:solidFill>
-                  <a:schemeClr val="tx1"/>
-                </a:solidFill>
                 <a:latin typeface="Arial" pitchFamily="-110" charset="0"/>
                 <a:ea typeface="ＭＳ Ｐゴシック" pitchFamily="-110" charset="-128"/>
                 <a:cs typeface="ＭＳ Ｐゴシック" pitchFamily="-110" charset="-128"/>
               </a:rPr>
-              <a:t>A virus in Fig. 6.1 is easily detected because the virus-infected program is larger than the corresponding uninfected one. </a:t>
-            </a:r>
-          </a:p>
-          <a:p>
+              <a:t>Fig. 6.1(a): Simple </a:t>
+            </a:r>
             <a:r>
               <a:rPr lang="en-US" altLang="zh-CN" dirty="0">
                 <a:solidFill>
@@ -17091,7 +17086,72 @@
                 <a:ea typeface="ＭＳ Ｐゴシック" pitchFamily="-110" charset="-128"/>
                 <a:cs typeface="ＭＳ Ｐゴシック" pitchFamily="-110" charset="-128"/>
               </a:rPr>
-              <a:t>One way to thwart detection is to compress the executable file so that both the infected and uninfected programs have identical length, as shown in Fig. 6.2. </a:t>
+              <a:t>virus is easily detected because the virus-infected program is larger than the corresponding uninfected one. </a:t>
+            </a:r>
+          </a:p>
+          <a:p>
+            <a:r>
+              <a:rPr lang="en-US" altLang="zh-CN" dirty="0">
+                <a:latin typeface="Arial" pitchFamily="-110" charset="0"/>
+                <a:ea typeface="ＭＳ Ｐゴシック" pitchFamily="-110" charset="-128"/>
+                <a:cs typeface="ＭＳ Ｐゴシック" pitchFamily="-110" charset="-128"/>
+              </a:rPr>
+              <a:t>Figs. 6.1(b), 6.2: </a:t>
+            </a:r>
+            <a:r>
+              <a:rPr lang="en-US" altLang="zh-CN" dirty="0">
+                <a:solidFill>
+                  <a:schemeClr val="tx1"/>
+                </a:solidFill>
+                <a:latin typeface="Arial" pitchFamily="-110" charset="0"/>
+                <a:ea typeface="ＭＳ Ｐゴシック" pitchFamily="-110" charset="-128"/>
+                <a:cs typeface="ＭＳ Ｐゴシック" pitchFamily="-110" charset="-128"/>
+              </a:rPr>
+              <a:t>One way to thwart detection is to compress the executable file so that both the infected program (CV+P</a:t>
+            </a:r>
+            <a:r>
+              <a:rPr lang="en-US" altLang="zh-CN" baseline="-25000" dirty="0">
+                <a:solidFill>
+                  <a:schemeClr val="tx1"/>
+                </a:solidFill>
+                <a:latin typeface="Arial" pitchFamily="-110" charset="0"/>
+                <a:ea typeface="ＭＳ Ｐゴシック" pitchFamily="-110" charset="-128"/>
+                <a:cs typeface="ＭＳ Ｐゴシック" pitchFamily="-110" charset="-128"/>
+              </a:rPr>
+              <a:t>2</a:t>
+            </a:r>
+            <a:r>
+              <a:rPr lang="en-US" altLang="zh-CN" dirty="0">
+                <a:solidFill>
+                  <a:schemeClr val="tx1"/>
+                </a:solidFill>
+                <a:latin typeface="Arial" pitchFamily="-110" charset="0"/>
+                <a:ea typeface="ＭＳ Ｐゴシック" pitchFamily="-110" charset="-128"/>
+                <a:cs typeface="ＭＳ Ｐゴシック" pitchFamily="-110" charset="-128"/>
+              </a:rPr>
+              <a:t>’) and uninfected program (P</a:t>
+            </a:r>
+            <a:r>
+              <a:rPr lang="en-US" altLang="zh-CN" i="0" baseline="-25000" dirty="0">
+                <a:solidFill>
+                  <a:schemeClr val="tx1"/>
+                </a:solidFill>
+                <a:latin typeface="+mj-lt"/>
+                <a:ea typeface="ＭＳ Ｐゴシック" pitchFamily="-110" charset="-128"/>
+                <a:cs typeface="ＭＳ Ｐゴシック" pitchFamily="-110" charset="-128"/>
+              </a:rPr>
+              <a:t>2</a:t>
+            </a:r>
+            <a:r>
+              <a:rPr lang="en-US" altLang="zh-CN" dirty="0">
+                <a:solidFill>
+                  <a:schemeClr val="tx1"/>
+                </a:solidFill>
+                <a:latin typeface="Arial" pitchFamily="-110" charset="0"/>
+                <a:ea typeface="ＭＳ Ｐゴシック" pitchFamily="-110" charset="-128"/>
+                <a:cs typeface="ＭＳ Ｐゴシック" pitchFamily="-110" charset="-128"/>
+              </a:rPr>
+              <a:t>) have identical size. </a:t>
             </a:r>
             <a:endParaRPr lang="en-US" dirty="0">
               <a:solidFill>
@@ -17396,7 +17456,7 @@
               <a:rPr lang="en-US" dirty="0">
                 <a:ea typeface="ＭＳ Ｐゴシック" pitchFamily="-65" charset="-128"/>
               </a:rPr>
-              <a:t>Infects executable files</a:t>
+              <a:t>Infects executable files (programs)</a:t>
             </a:r>
           </a:p>
           <a:p>
@@ -17430,7 +17490,7 @@
               <a:rPr lang="en-US" dirty="0">
                 <a:ea typeface="ＭＳ Ｐゴシック" pitchFamily="-65" charset="-128"/>
               </a:rPr>
-              <a:t>Infects files with macro or scripting code that is interpreted by an application</a:t>
+              <a:t>Infects files with macro or scripting code that is interpreted by an application, e.g., Word, Excel documents with macros.</a:t>
             </a:r>
           </a:p>
           <a:p>
@@ -17539,7 +17599,7 @@
             <a:pPr lvl="1"/>
             <a:r>
               <a:rPr lang="en-US" dirty="0"/>
-              <a:t>A virus that mutates with every infection， changing its bit pattern, but different copies are functionally equivalent</a:t>
+              <a:t>A virus that mutates with every infection, changing its bit pattern, but different copies are functionally equivalent</a:t>
             </a:r>
           </a:p>
           <a:p>
@@ -17718,7 +17778,7 @@
         </p:spPr>
         <p:txBody>
           <a:bodyPr>
-            <a:normAutofit fontScale="85000" lnSpcReduction="10000"/>
+            <a:normAutofit fontScale="77500" lnSpcReduction="20000"/>
           </a:bodyPr>
           <a:lstStyle/>
           <a:p>
@@ -17726,7 +17786,16 @@
               <a:rPr lang="en-US" altLang="zh-CN" dirty="0"/>
               <a:t>An encrypting virus always propagates using the same decryption routine. However, the key value within the decryption routine changes from infection to infection. Consequently, the encrypted body of the virus also varies, depending on the key value.</a:t>
             </a:r>
-            <a:endParaRPr lang="zh-CN" altLang="en-US" dirty="0"/>
+          </a:p>
+          <a:p>
+            <a:r>
+              <a:rPr lang="en-US" altLang="zh-CN" dirty="0"/>
+              <a:t>It is a type of </a:t>
+            </a:r>
+            <a:r>
+              <a:rPr lang="en-US" dirty="0"/>
+              <a:t>polymorphic virus.</a:t>
+            </a:r>
           </a:p>
         </p:txBody>
       </p:sp>
@@ -20117,8 +20186,8 @@
         </p:nvSpPr>
         <p:spPr>
           <a:xfrm>
-            <a:off x="323528" y="1196753"/>
-            <a:ext cx="3456384" cy="5256584"/>
+            <a:off x="179512" y="1196753"/>
+            <a:ext cx="3600400" cy="5256584"/>
           </a:xfrm>
         </p:spPr>
         <p:txBody>
@@ -20127,7 +20196,7 @@
           <a:p>
             <a:r>
               <a:rPr lang="en-US" dirty="0"/>
-              <a:t>Here is a classic epidemic model of worm propagation</a:t>
+              <a:t>Here is a classic epidemic model of worm (or virus) propagation</a:t>
             </a:r>
             <a:endParaRPr lang="en-SE" dirty="0"/>
           </a:p>
@@ -22344,7 +22413,21 @@
                 <a:latin typeface="Arial" charset="0"/>
                 <a:ea typeface="ＭＳ Ｐゴシック" pitchFamily="-65" charset="-128"/>
               </a:rPr>
-              <a:t>Continuing to perform the function of the original program but modifying the function to perform malicious activity (e.g., a Trojan version of a login program that collects passwords) or to hides other malicious activity (e.g., a Trojan version of a Linux “ls” program that does not display certain processes that are malicious)</a:t>
+              <a:t>Continuing to perform the function of the original program but modifying the function to perform malicious activity (e.g., a Trojan version of a login program that collects passwords) or to hides other malicious activity (e.g., a Trojan version of a Linux “</a:t>
+            </a:r>
+            <a:r>
+              <a:rPr lang="en-US" altLang="zh-CN" sz="3000" dirty="0" err="1">
+                <a:latin typeface="Arial" charset="0"/>
+                <a:ea typeface="ＭＳ Ｐゴシック" pitchFamily="-65" charset="-128"/>
+              </a:rPr>
+              <a:t>ps</a:t>
+            </a:r>
+            <a:r>
+              <a:rPr lang="en-US" altLang="zh-CN" sz="3000" dirty="0">
+                <a:latin typeface="Arial" charset="0"/>
+                <a:ea typeface="ＭＳ Ｐゴシック" pitchFamily="-65" charset="-128"/>
+              </a:rPr>
+              <a:t>” program that does not display certain processes that are malicious)</a:t>
             </a:r>
           </a:p>
           <a:p>

--- a/InfoSec/PPTs/L7-CH06-Malicious Software.pptx
+++ b/InfoSec/PPTs/L7-CH06-Malicious Software.pptx
@@ -381,7 +381,7 @@
             <a:fld id="{999DDEF9-8F79-3F4A-8C1A-CB2E900DCD92}" type="datetimeFigureOut">
               <a:rPr lang="en-US" smtClean="0"/>
               <a:pPr/>
-              <a:t>5/14/2020</a:t>
+              <a:t>5/4/2021</a:t>
             </a:fld>
             <a:endParaRPr lang="en-US"/>
           </a:p>
@@ -14817,7 +14817,15 @@
           <a:p>
             <a:r>
               <a:rPr lang="en-US" dirty="0"/>
-              <a:t>ZJU 2020</a:t>
+              <a:t>ZJU </a:t>
+            </a:r>
+            <a:r>
+              <a:rPr lang="en-US" dirty="0" smtClean="0"/>
+              <a:t>202</a:t>
+            </a:r>
+            <a:r>
+              <a:rPr lang="en-SE" smtClean="0"/>
+              <a:t>1</a:t>
             </a:r>
             <a:endParaRPr lang="en-SE" dirty="0"/>
           </a:p>
@@ -24428,6 +24436,10 @@
               <a:rPr lang="en-US" altLang="zh-CN" dirty="0"/>
               <a:t>–</a:t>
             </a:r>
+            <a:r>
+              <a:rPr lang="en-US" dirty="0"/>
+              <a:t/>
+            </a:r>
             <a:br>
               <a:rPr lang="en-US" dirty="0"/>
             </a:br>
@@ -24613,6 +24625,10 @@
             <a:r>
               <a:rPr lang="en-US" altLang="zh-CN" dirty="0"/>
               <a:t>–</a:t>
+            </a:r>
+            <a:r>
+              <a:rPr lang="en-US" dirty="0"/>
+              <a:t/>
             </a:r>
             <a:br>
               <a:rPr lang="en-US" dirty="0"/>

--- a/InfoSec/PPTs/L7-CH06-Malicious Software.pptx
+++ b/InfoSec/PPTs/L7-CH06-Malicious Software.pptx
@@ -381,7 +381,7 @@
             <a:fld id="{999DDEF9-8F79-3F4A-8C1A-CB2E900DCD92}" type="datetimeFigureOut">
               <a:rPr lang="en-US" smtClean="0"/>
               <a:pPr/>
-              <a:t>5/14/2020</a:t>
+              <a:t>5/4/2021</a:t>
             </a:fld>
             <a:endParaRPr lang="en-US"/>
           </a:p>
@@ -14816,8 +14816,8 @@
           <a:lstStyle/>
           <a:p>
             <a:r>
-              <a:rPr lang="en-US" dirty="0"/>
-              <a:t>ZJU 2020</a:t>
+              <a:rPr lang="en-US"/>
+              <a:t>ZJU 2021</a:t>
             </a:r>
             <a:endParaRPr lang="en-SE" dirty="0"/>
           </a:p>

--- a/InfoSec/PPTs/L7-CH06-Malicious Software.pptx
+++ b/InfoSec/PPTs/L7-CH06-Malicious Software.pptx
@@ -381,7 +381,7 @@
             <a:fld id="{999DDEF9-8F79-3F4A-8C1A-CB2E900DCD92}" type="datetimeFigureOut">
               <a:rPr lang="en-US" smtClean="0"/>
               <a:pPr/>
-              <a:t>5/4/2021</a:t>
+              <a:t>3/24/2022</a:t>
             </a:fld>
             <a:endParaRPr lang="en-US"/>
           </a:p>
@@ -14816,10 +14816,17 @@
           <a:lstStyle/>
           <a:p>
             <a:r>
-              <a:rPr lang="en-US"/>
-              <a:t>ZJU 2021</a:t>
-            </a:r>
-            <a:endParaRPr lang="en-SE" dirty="0"/>
+              <a:rPr lang="en-US" altLang="zh-CN" kern="0" dirty="0"/>
+              <a:t>Zonghua Gu</a:t>
+            </a:r>
+            <a:endParaRPr lang="en-US" kern="0" dirty="0"/>
+          </a:p>
+          <a:p>
+            <a:r>
+              <a:rPr lang="en-US" kern="0"/>
+              <a:t>2018, ZJU</a:t>
+            </a:r>
+            <a:endParaRPr lang="en-SE" kern="0" dirty="0"/>
           </a:p>
         </p:txBody>
       </p:sp>

--- a/InfoSec/PPTs/L7-CH06-Malicious Software.pptx
+++ b/InfoSec/PPTs/L7-CH06-Malicious Software.pptx
@@ -381,7 +381,7 @@
             <a:fld id="{999DDEF9-8F79-3F4A-8C1A-CB2E900DCD92}" type="datetimeFigureOut">
               <a:rPr lang="en-US" smtClean="0"/>
               <a:pPr/>
-              <a:t>3/24/2022</a:t>
+              <a:t>3/27/2022</a:t>
             </a:fld>
             <a:endParaRPr lang="en-US"/>
           </a:p>
@@ -14824,7 +14824,11 @@
           <a:p>
             <a:r>
               <a:rPr lang="en-US" kern="0"/>
-              <a:t>2018, ZJU</a:t>
+              <a:t>2017, </a:t>
+            </a:r>
+            <a:r>
+              <a:rPr lang="en-US" kern="0" dirty="0"/>
+              <a:t>ZJU</a:t>
             </a:r>
             <a:endParaRPr lang="en-SE" kern="0" dirty="0"/>
           </a:p>
